--- a/WorkShop/NetworkLP.pptx
+++ b/WorkShop/NetworkLP.pptx
@@ -24,7 +24,8 @@
     <p:sldId id="276" r:id="rId18"/>
     <p:sldId id="277" r:id="rId19"/>
     <p:sldId id="274" r:id="rId20"/>
-    <p:sldId id="280" r:id="rId21"/>
+    <p:sldId id="282" r:id="rId21"/>
+    <p:sldId id="280" r:id="rId22"/>
   </p:sldIdLst>
   <p:sldSz cx="12192000" cy="6858000"/>
   <p:notesSz cx="6858000" cy="9144000"/>
@@ -134,7 +135,7 @@
 <file path=ppt/revisionInfo.xml><?xml version="1.0" encoding="utf-8"?>
 <p1510:revInfo xmlns:a="http://schemas.openxmlformats.org/drawingml/2006/main" xmlns:r="http://schemas.openxmlformats.org/officeDocument/2006/relationships" xmlns:p1510="http://schemas.microsoft.com/office/powerpoint/2015/10/main">
   <p1510:revLst>
-    <p1510:client id="{30551260-C630-471D-8B9B-5213F2B9AA4E}" v="196" dt="2021-11-07T18:15:19.450"/>
+    <p1510:client id="{30551260-C630-471D-8B9B-5213F2B9AA4E}" v="198" dt="2021-11-08T19:38:52.186"/>
   </p1510:revLst>
 </p1510:revInfo>
 </file>
@@ -144,7 +145,7 @@
   <pc:docChgLst>
     <pc:chgData name="Erwin Kalvelagen" userId="93abc5fa06b61e79" providerId="LiveId" clId="{30551260-C630-471D-8B9B-5213F2B9AA4E}"/>
     <pc:docChg chg="undo custSel addSld modSld">
-      <pc:chgData name="Erwin Kalvelagen" userId="93abc5fa06b61e79" providerId="LiveId" clId="{30551260-C630-471D-8B9B-5213F2B9AA4E}" dt="2021-11-07T18:16:56.475" v="1989" actId="20577"/>
+      <pc:chgData name="Erwin Kalvelagen" userId="93abc5fa06b61e79" providerId="LiveId" clId="{30551260-C630-471D-8B9B-5213F2B9AA4E}" dt="2021-11-08T19:39:14.792" v="2037" actId="1076"/>
       <pc:docMkLst>
         <pc:docMk/>
       </pc:docMkLst>
@@ -370,8 +371,8 @@
           </ac:spMkLst>
         </pc:spChg>
       </pc:sldChg>
-      <pc:sldChg chg="modSp new mod">
-        <pc:chgData name="Erwin Kalvelagen" userId="93abc5fa06b61e79" providerId="LiveId" clId="{30551260-C630-471D-8B9B-5213F2B9AA4E}" dt="2021-11-05T03:15:13.344" v="1194" actId="20577"/>
+      <pc:sldChg chg="addSp modSp new mod">
+        <pc:chgData name="Erwin Kalvelagen" userId="93abc5fa06b61e79" providerId="LiveId" clId="{30551260-C630-471D-8B9B-5213F2B9AA4E}" dt="2021-11-08T19:39:14.792" v="2037" actId="1076"/>
         <pc:sldMkLst>
           <pc:docMk/>
           <pc:sldMk cId="172715107" sldId="280"/>
@@ -385,13 +386,29 @@
           </ac:spMkLst>
         </pc:spChg>
         <pc:spChg chg="mod">
-          <ac:chgData name="Erwin Kalvelagen" userId="93abc5fa06b61e79" providerId="LiveId" clId="{30551260-C630-471D-8B9B-5213F2B9AA4E}" dt="2021-11-05T03:15:13.344" v="1194" actId="20577"/>
+          <ac:chgData name="Erwin Kalvelagen" userId="93abc5fa06b61e79" providerId="LiveId" clId="{30551260-C630-471D-8B9B-5213F2B9AA4E}" dt="2021-11-08T15:49:41.026" v="1995" actId="14100"/>
           <ac:spMkLst>
             <pc:docMk/>
             <pc:sldMk cId="172715107" sldId="280"/>
             <ac:spMk id="3" creationId="{00358E94-1A15-4E7E-8AC3-DB002C1F52DA}"/>
           </ac:spMkLst>
         </pc:spChg>
+        <pc:spChg chg="add mod">
+          <ac:chgData name="Erwin Kalvelagen" userId="93abc5fa06b61e79" providerId="LiveId" clId="{30551260-C630-471D-8B9B-5213F2B9AA4E}" dt="2021-11-08T19:39:14.792" v="2037" actId="1076"/>
+          <ac:spMkLst>
+            <pc:docMk/>
+            <pc:sldMk cId="172715107" sldId="280"/>
+            <ac:spMk id="5" creationId="{584E6E69-702A-4276-B015-AB044C3BC494}"/>
+          </ac:spMkLst>
+        </pc:spChg>
+        <pc:picChg chg="add mod">
+          <ac:chgData name="Erwin Kalvelagen" userId="93abc5fa06b61e79" providerId="LiveId" clId="{30551260-C630-471D-8B9B-5213F2B9AA4E}" dt="2021-11-08T15:49:46.737" v="1998" actId="1076"/>
+          <ac:picMkLst>
+            <pc:docMk/>
+            <pc:sldMk cId="172715107" sldId="280"/>
+            <ac:picMk id="4" creationId="{620D997A-EE07-4B59-98E7-6F59F44A9B78}"/>
+          </ac:picMkLst>
+        </pc:picChg>
       </pc:sldChg>
       <pc:sldChg chg="addSp modSp new mod setBg">
         <pc:chgData name="Erwin Kalvelagen" userId="93abc5fa06b61e79" providerId="LiveId" clId="{30551260-C630-471D-8B9B-5213F2B9AA4E}" dt="2021-11-07T18:15:19.450" v="1988"/>
@@ -592,7 +609,7 @@
           <a:p>
             <a:fld id="{A9294C83-0435-4EDB-AC90-1A1796FF9709}" type="datetimeFigureOut">
               <a:rPr lang="en-US" smtClean="0"/>
-              <a:t>11/6/2021</a:t>
+              <a:t>11/8/2021</a:t>
             </a:fld>
             <a:endParaRPr lang="en-US"/>
           </a:p>
@@ -790,7 +807,7 @@
           <a:p>
             <a:fld id="{A9294C83-0435-4EDB-AC90-1A1796FF9709}" type="datetimeFigureOut">
               <a:rPr lang="en-US" smtClean="0"/>
-              <a:t>11/6/2021</a:t>
+              <a:t>11/8/2021</a:t>
             </a:fld>
             <a:endParaRPr lang="en-US"/>
           </a:p>
@@ -998,7 +1015,7 @@
           <a:p>
             <a:fld id="{A9294C83-0435-4EDB-AC90-1A1796FF9709}" type="datetimeFigureOut">
               <a:rPr lang="en-US" smtClean="0"/>
-              <a:t>11/6/2021</a:t>
+              <a:t>11/8/2021</a:t>
             </a:fld>
             <a:endParaRPr lang="en-US"/>
           </a:p>
@@ -1196,7 +1213,7 @@
           <a:p>
             <a:fld id="{A9294C83-0435-4EDB-AC90-1A1796FF9709}" type="datetimeFigureOut">
               <a:rPr lang="en-US" smtClean="0"/>
-              <a:t>11/6/2021</a:t>
+              <a:t>11/8/2021</a:t>
             </a:fld>
             <a:endParaRPr lang="en-US"/>
           </a:p>
@@ -1471,7 +1488,7 @@
           <a:p>
             <a:fld id="{A9294C83-0435-4EDB-AC90-1A1796FF9709}" type="datetimeFigureOut">
               <a:rPr lang="en-US" smtClean="0"/>
-              <a:t>11/6/2021</a:t>
+              <a:t>11/8/2021</a:t>
             </a:fld>
             <a:endParaRPr lang="en-US"/>
           </a:p>
@@ -1736,7 +1753,7 @@
           <a:p>
             <a:fld id="{A9294C83-0435-4EDB-AC90-1A1796FF9709}" type="datetimeFigureOut">
               <a:rPr lang="en-US" smtClean="0"/>
-              <a:t>11/6/2021</a:t>
+              <a:t>11/8/2021</a:t>
             </a:fld>
             <a:endParaRPr lang="en-US"/>
           </a:p>
@@ -2148,7 +2165,7 @@
           <a:p>
             <a:fld id="{A9294C83-0435-4EDB-AC90-1A1796FF9709}" type="datetimeFigureOut">
               <a:rPr lang="en-US" smtClean="0"/>
-              <a:t>11/6/2021</a:t>
+              <a:t>11/8/2021</a:t>
             </a:fld>
             <a:endParaRPr lang="en-US"/>
           </a:p>
@@ -2289,7 +2306,7 @@
           <a:p>
             <a:fld id="{A9294C83-0435-4EDB-AC90-1A1796FF9709}" type="datetimeFigureOut">
               <a:rPr lang="en-US" smtClean="0"/>
-              <a:t>11/6/2021</a:t>
+              <a:t>11/8/2021</a:t>
             </a:fld>
             <a:endParaRPr lang="en-US"/>
           </a:p>
@@ -2402,7 +2419,7 @@
           <a:p>
             <a:fld id="{A9294C83-0435-4EDB-AC90-1A1796FF9709}" type="datetimeFigureOut">
               <a:rPr lang="en-US" smtClean="0"/>
-              <a:t>11/6/2021</a:t>
+              <a:t>11/8/2021</a:t>
             </a:fld>
             <a:endParaRPr lang="en-US"/>
           </a:p>
@@ -2713,7 +2730,7 @@
           <a:p>
             <a:fld id="{A9294C83-0435-4EDB-AC90-1A1796FF9709}" type="datetimeFigureOut">
               <a:rPr lang="en-US" smtClean="0"/>
-              <a:t>11/6/2021</a:t>
+              <a:t>11/8/2021</a:t>
             </a:fld>
             <a:endParaRPr lang="en-US"/>
           </a:p>
@@ -3001,7 +3018,7 @@
           <a:p>
             <a:fld id="{A9294C83-0435-4EDB-AC90-1A1796FF9709}" type="datetimeFigureOut">
               <a:rPr lang="en-US" smtClean="0"/>
-              <a:t>11/6/2021</a:t>
+              <a:t>11/8/2021</a:t>
             </a:fld>
             <a:endParaRPr lang="en-US"/>
           </a:p>
@@ -3242,7 +3259,7 @@
           <a:p>
             <a:fld id="{A9294C83-0435-4EDB-AC90-1A1796FF9709}" type="datetimeFigureOut">
               <a:rPr lang="en-US" smtClean="0"/>
-              <a:t>11/6/2021</a:t>
+              <a:t>11/8/2021</a:t>
             </a:fld>
             <a:endParaRPr lang="en-US"/>
           </a:p>
@@ -9424,6 +9441,191 @@
           <p:cNvPr id="2" name="Title 1">
             <a:extLst>
               <a:ext uri="{FF2B5EF4-FFF2-40B4-BE49-F238E27FC236}">
+                <a16:creationId xmlns:a16="http://schemas.microsoft.com/office/drawing/2014/main" id="{67A82D23-EC7E-4FC3-AC23-89B8503852DF}"/>
+              </a:ext>
+            </a:extLst>
+          </p:cNvPr>
+          <p:cNvSpPr>
+            <a:spLocks noGrp="1"/>
+          </p:cNvSpPr>
+          <p:nvPr>
+            <p:ph type="title"/>
+          </p:nvPr>
+        </p:nvSpPr>
+        <p:spPr>
+          <a:solidFill>
+            <a:schemeClr val="accent2">
+              <a:lumMod val="60000"/>
+              <a:lumOff val="40000"/>
+            </a:schemeClr>
+          </a:solidFill>
+        </p:spPr>
+        <p:txBody>
+          <a:bodyPr/>
+          <a:lstStyle/>
+          <a:p>
+            <a:r>
+              <a:rPr lang="en-US"/>
+              <a:t>Naming conventions in models</a:t>
+            </a:r>
+          </a:p>
+        </p:txBody>
+      </p:sp>
+      <p:sp>
+        <p:nvSpPr>
+          <p:cNvPr id="3" name="Content Placeholder 2">
+            <a:extLst>
+              <a:ext uri="{FF2B5EF4-FFF2-40B4-BE49-F238E27FC236}">
+                <a16:creationId xmlns:a16="http://schemas.microsoft.com/office/drawing/2014/main" id="{F21C4281-1269-4BA3-8D87-38119ABBD4B8}"/>
+              </a:ext>
+            </a:extLst>
+          </p:cNvPr>
+          <p:cNvSpPr>
+            <a:spLocks noGrp="1"/>
+          </p:cNvSpPr>
+          <p:nvPr>
+            <p:ph idx="1"/>
+          </p:nvPr>
+        </p:nvSpPr>
+        <p:spPr/>
+        <p:txBody>
+          <a:bodyPr/>
+          <a:lstStyle/>
+          <a:p>
+            <a:r>
+              <a:rPr lang="en-US"/>
+              <a:t>Meaningful long names vs cryptic short names</a:t>
+            </a:r>
+          </a:p>
+          <a:p>
+            <a:r>
+              <a:rPr lang="en-US"/>
+              <a:t>I try to use the following scheme:</a:t>
+            </a:r>
+          </a:p>
+          <a:p>
+            <a:pPr lvl="1"/>
+            <a:r>
+              <a:rPr lang="en-US"/>
+              <a:t>Short names for symbols that are used a lot</a:t>
+            </a:r>
+          </a:p>
+          <a:p>
+            <a:pPr lvl="1"/>
+            <a:r>
+              <a:rPr lang="en-US"/>
+              <a:t>Long names for symbols that are used only a few times</a:t>
+            </a:r>
+          </a:p>
+          <a:p>
+            <a:pPr lvl="1"/>
+            <a:r>
+              <a:rPr lang="en-US"/>
+              <a:t>“Huffman encoding of names”</a:t>
+            </a:r>
+          </a:p>
+          <a:p>
+            <a:pPr lvl="1"/>
+            <a:r>
+              <a:rPr lang="en-US"/>
+              <a:t>This strikes a balance between too much clutter and having to look up the meaning of a symbol</a:t>
+            </a:r>
+          </a:p>
+          <a:p>
+            <a:r>
+              <a:rPr lang="en-US"/>
+              <a:t>Try to follow conventions</a:t>
+            </a:r>
+          </a:p>
+          <a:p>
+            <a:pPr lvl="1"/>
+            <a:r>
+              <a:rPr lang="en-US"/>
+              <a:t>x should not be the name of a set</a:t>
+            </a:r>
+          </a:p>
+          <a:p>
+            <a:pPr lvl="1"/>
+            <a:r>
+              <a:rPr lang="en-US"/>
+              <a:t>i should not be the name of a variable</a:t>
+            </a:r>
+          </a:p>
+        </p:txBody>
+      </p:sp>
+      <p:sp>
+        <p:nvSpPr>
+          <p:cNvPr id="4" name="TextBox 3">
+            <a:extLst>
+              <a:ext uri="{FF2B5EF4-FFF2-40B4-BE49-F238E27FC236}">
+                <a16:creationId xmlns:a16="http://schemas.microsoft.com/office/drawing/2014/main" id="{B05DE0AD-1CAA-4EF9-AF59-0D6C0F94DED3}"/>
+              </a:ext>
+            </a:extLst>
+          </p:cNvPr>
+          <p:cNvSpPr txBox="1"/>
+          <p:nvPr/>
+        </p:nvSpPr>
+        <p:spPr>
+          <a:xfrm>
+            <a:off x="838200" y="6090407"/>
+            <a:ext cx="4577022" cy="369332"/>
+          </a:xfrm>
+          <a:prstGeom prst="rect">
+            <a:avLst/>
+          </a:prstGeom>
+          <a:noFill/>
+        </p:spPr>
+        <p:txBody>
+          <a:bodyPr wrap="none" rtlCol="0">
+            <a:spAutoFit/>
+          </a:bodyPr>
+          <a:lstStyle/>
+          <a:p>
+            <a:r>
+              <a:rPr lang="en-US">
+                <a:hlinkClick r:id="rId2"/>
+              </a:rPr>
+              <a:t>https://en.wikipedia.org/wiki/Huffman_coding</a:t>
+            </a:r>
+            <a:endParaRPr lang="en-US"/>
+          </a:p>
+        </p:txBody>
+      </p:sp>
+    </p:spTree>
+    <p:extLst>
+      <p:ext uri="{BB962C8B-B14F-4D97-AF65-F5344CB8AC3E}">
+        <p14:creationId xmlns:p14="http://schemas.microsoft.com/office/powerpoint/2010/main" val="2264521384"/>
+      </p:ext>
+    </p:extLst>
+  </p:cSld>
+  <p:clrMapOvr>
+    <a:masterClrMapping/>
+  </p:clrMapOvr>
+</p:sld>
+</file>
+
+<file path=ppt/slides/slide21.xml><?xml version="1.0" encoding="utf-8"?>
+<p:sld xmlns:a="http://schemas.openxmlformats.org/drawingml/2006/main" xmlns:r="http://schemas.openxmlformats.org/officeDocument/2006/relationships" xmlns:p="http://schemas.openxmlformats.org/presentationml/2006/main">
+  <p:cSld>
+    <p:spTree>
+      <p:nvGrpSpPr>
+        <p:cNvPr id="1" name=""/>
+        <p:cNvGrpSpPr/>
+        <p:nvPr/>
+      </p:nvGrpSpPr>
+      <p:grpSpPr>
+        <a:xfrm>
+          <a:off x="0" y="0"/>
+          <a:ext cx="0" cy="0"/>
+          <a:chOff x="0" y="0"/>
+          <a:chExt cx="0" cy="0"/>
+        </a:xfrm>
+      </p:grpSpPr>
+      <p:sp>
+        <p:nvSpPr>
+          <p:cNvPr id="2" name="Title 1">
+            <a:extLst>
+              <a:ext uri="{FF2B5EF4-FFF2-40B4-BE49-F238E27FC236}">
                 <a16:creationId xmlns:a16="http://schemas.microsoft.com/office/drawing/2014/main" id="{AB746225-78D2-4942-A512-2F5123A644A4}"/>
               </a:ext>
             </a:extLst>
@@ -9469,7 +9671,12 @@
             <p:ph idx="1"/>
           </p:nvPr>
         </p:nvSpPr>
-        <p:spPr/>
+        <p:spPr>
+          <a:xfrm>
+            <a:off x="838200" y="1825625"/>
+            <a:ext cx="5257800" cy="4351338"/>
+          </a:xfrm>
+        </p:spPr>
         <p:txBody>
           <a:bodyPr/>
           <a:lstStyle/>
@@ -9483,6 +9690,71 @@
             <a:r>
               <a:rPr lang="en-US"/>
               <a:t>Implement the trnsport.gms model as a min-cost flow problem.</a:t>
+            </a:r>
+          </a:p>
+        </p:txBody>
+      </p:sp>
+      <p:pic>
+        <p:nvPicPr>
+          <p:cNvPr id="4" name="Picture 3">
+            <a:extLst>
+              <a:ext uri="{FF2B5EF4-FFF2-40B4-BE49-F238E27FC236}">
+                <a16:creationId xmlns:a16="http://schemas.microsoft.com/office/drawing/2014/main" id="{620D997A-EE07-4B59-98E7-6F59F44A9B78}"/>
+              </a:ext>
+            </a:extLst>
+          </p:cNvPr>
+          <p:cNvPicPr>
+            <a:picLocks noChangeAspect="1"/>
+          </p:cNvPicPr>
+          <p:nvPr/>
+        </p:nvPicPr>
+        <p:blipFill>
+          <a:blip r:embed="rId2"/>
+          <a:stretch>
+            <a:fillRect/>
+          </a:stretch>
+        </p:blipFill>
+        <p:spPr>
+          <a:xfrm>
+            <a:off x="6012381" y="2231468"/>
+            <a:ext cx="5936094" cy="4080432"/>
+          </a:xfrm>
+          <a:prstGeom prst="rect">
+            <a:avLst/>
+          </a:prstGeom>
+        </p:spPr>
+      </p:pic>
+      <p:sp>
+        <p:nvSpPr>
+          <p:cNvPr id="5" name="TextBox 4">
+            <a:extLst>
+              <a:ext uri="{FF2B5EF4-FFF2-40B4-BE49-F238E27FC236}">
+                <a16:creationId xmlns:a16="http://schemas.microsoft.com/office/drawing/2014/main" id="{584E6E69-702A-4276-B015-AB044C3BC494}"/>
+              </a:ext>
+            </a:extLst>
+          </p:cNvPr>
+          <p:cNvSpPr txBox="1"/>
+          <p:nvPr/>
+        </p:nvSpPr>
+        <p:spPr>
+          <a:xfrm>
+            <a:off x="7407479" y="6348411"/>
+            <a:ext cx="3663503" cy="369332"/>
+          </a:xfrm>
+          <a:prstGeom prst="rect">
+            <a:avLst/>
+          </a:prstGeom>
+          <a:noFill/>
+        </p:spPr>
+        <p:txBody>
+          <a:bodyPr wrap="none" rtlCol="0">
+            <a:spAutoFit/>
+          </a:bodyPr>
+          <a:lstStyle/>
+          <a:p>
+            <a:r>
+              <a:rPr lang="en-US"/>
+              <a:t>Example output for Min-Cost Flow LP</a:t>
             </a:r>
           </a:p>
         </p:txBody>
